--- a/06_Oracle(DB)/쇼핑몰모델링/1.ER다이아그램 최병철_시험.pptx
+++ b/06_Oracle(DB)/쇼핑몰모델링/1.ER다이아그램 최병철_시험.pptx
@@ -302,7 +302,7 @@
           <a:p>
             <a:fld id="{337D575E-325C-424E-A11C-7C00BDF73ADC}" type="datetimeFigureOut">
               <a:rPr lang="ko-KR" altLang="en-US" smtClean="0"/>
-              <a:t>2022-05-26</a:t>
+              <a:t>2022-09-20</a:t>
             </a:fld>
             <a:endParaRPr lang="ko-KR" altLang="en-US"/>
           </a:p>
@@ -470,7 +470,7 @@
           <a:p>
             <a:fld id="{337D575E-325C-424E-A11C-7C00BDF73ADC}" type="datetimeFigureOut">
               <a:rPr lang="ko-KR" altLang="en-US" smtClean="0"/>
-              <a:t>2022-05-26</a:t>
+              <a:t>2022-09-20</a:t>
             </a:fld>
             <a:endParaRPr lang="ko-KR" altLang="en-US"/>
           </a:p>
@@ -648,7 +648,7 @@
           <a:p>
             <a:fld id="{337D575E-325C-424E-A11C-7C00BDF73ADC}" type="datetimeFigureOut">
               <a:rPr lang="ko-KR" altLang="en-US" smtClean="0"/>
-              <a:t>2022-05-26</a:t>
+              <a:t>2022-09-20</a:t>
             </a:fld>
             <a:endParaRPr lang="ko-KR" altLang="en-US"/>
           </a:p>
@@ -816,7 +816,7 @@
           <a:p>
             <a:fld id="{337D575E-325C-424E-A11C-7C00BDF73ADC}" type="datetimeFigureOut">
               <a:rPr lang="ko-KR" altLang="en-US" smtClean="0"/>
-              <a:t>2022-05-26</a:t>
+              <a:t>2022-09-20</a:t>
             </a:fld>
             <a:endParaRPr lang="ko-KR" altLang="en-US"/>
           </a:p>
@@ -1061,7 +1061,7 @@
           <a:p>
             <a:fld id="{337D575E-325C-424E-A11C-7C00BDF73ADC}" type="datetimeFigureOut">
               <a:rPr lang="ko-KR" altLang="en-US" smtClean="0"/>
-              <a:t>2022-05-26</a:t>
+              <a:t>2022-09-20</a:t>
             </a:fld>
             <a:endParaRPr lang="ko-KR" altLang="en-US"/>
           </a:p>
@@ -1346,7 +1346,7 @@
           <a:p>
             <a:fld id="{337D575E-325C-424E-A11C-7C00BDF73ADC}" type="datetimeFigureOut">
               <a:rPr lang="ko-KR" altLang="en-US" smtClean="0"/>
-              <a:t>2022-05-26</a:t>
+              <a:t>2022-09-20</a:t>
             </a:fld>
             <a:endParaRPr lang="ko-KR" altLang="en-US"/>
           </a:p>
@@ -1765,7 +1765,7 @@
           <a:p>
             <a:fld id="{337D575E-325C-424E-A11C-7C00BDF73ADC}" type="datetimeFigureOut">
               <a:rPr lang="ko-KR" altLang="en-US" smtClean="0"/>
-              <a:t>2022-05-26</a:t>
+              <a:t>2022-09-20</a:t>
             </a:fld>
             <a:endParaRPr lang="ko-KR" altLang="en-US"/>
           </a:p>
@@ -1882,7 +1882,7 @@
           <a:p>
             <a:fld id="{337D575E-325C-424E-A11C-7C00BDF73ADC}" type="datetimeFigureOut">
               <a:rPr lang="ko-KR" altLang="en-US" smtClean="0"/>
-              <a:t>2022-05-26</a:t>
+              <a:t>2022-09-20</a:t>
             </a:fld>
             <a:endParaRPr lang="ko-KR" altLang="en-US"/>
           </a:p>
@@ -1977,7 +1977,7 @@
           <a:p>
             <a:fld id="{337D575E-325C-424E-A11C-7C00BDF73ADC}" type="datetimeFigureOut">
               <a:rPr lang="ko-KR" altLang="en-US" smtClean="0"/>
-              <a:t>2022-05-26</a:t>
+              <a:t>2022-09-20</a:t>
             </a:fld>
             <a:endParaRPr lang="ko-KR" altLang="en-US"/>
           </a:p>
@@ -2252,7 +2252,7 @@
           <a:p>
             <a:fld id="{337D575E-325C-424E-A11C-7C00BDF73ADC}" type="datetimeFigureOut">
               <a:rPr lang="ko-KR" altLang="en-US" smtClean="0"/>
-              <a:t>2022-05-26</a:t>
+              <a:t>2022-09-20</a:t>
             </a:fld>
             <a:endParaRPr lang="ko-KR" altLang="en-US"/>
           </a:p>
@@ -2504,7 +2504,7 @@
           <a:p>
             <a:fld id="{337D575E-325C-424E-A11C-7C00BDF73ADC}" type="datetimeFigureOut">
               <a:rPr lang="ko-KR" altLang="en-US" smtClean="0"/>
-              <a:t>2022-05-26</a:t>
+              <a:t>2022-09-20</a:t>
             </a:fld>
             <a:endParaRPr lang="ko-KR" altLang="en-US"/>
           </a:p>
@@ -2715,7 +2715,7 @@
           <a:p>
             <a:fld id="{337D575E-325C-424E-A11C-7C00BDF73ADC}" type="datetimeFigureOut">
               <a:rPr lang="ko-KR" altLang="en-US" smtClean="0"/>
-              <a:t>2022-05-26</a:t>
+              <a:t>2022-09-20</a:t>
             </a:fld>
             <a:endParaRPr lang="ko-KR" altLang="en-US"/>
           </a:p>
@@ -3144,7 +3144,7 @@
         </p:nvSpPr>
         <p:spPr>
           <a:xfrm>
-            <a:off x="4865108" y="4241942"/>
+            <a:off x="4796465" y="4433264"/>
             <a:ext cx="1024932" cy="258930"/>
           </a:xfrm>
           <a:prstGeom prst="rect">
@@ -3343,9 +3343,9 @@
           <p:nvPr/>
         </p:nvCxnSpPr>
         <p:spPr>
-          <a:xfrm>
-            <a:off x="5369574" y="2725245"/>
-            <a:ext cx="8000" cy="1516697"/>
+          <a:xfrm flipH="1">
+            <a:off x="5308931" y="2725245"/>
+            <a:ext cx="60643" cy="1708019"/>
           </a:xfrm>
           <a:prstGeom prst="line">
             <a:avLst/>
@@ -4786,7 +4786,7 @@
         </p:nvSpPr>
         <p:spPr>
           <a:xfrm>
-            <a:off x="1470310" y="4071617"/>
+            <a:off x="1672066" y="3815761"/>
             <a:ext cx="1494832" cy="361955"/>
           </a:xfrm>
           <a:prstGeom prst="ellipse">
@@ -4827,7 +4827,7 @@
         </p:nvSpPr>
         <p:spPr>
           <a:xfrm>
-            <a:off x="1792499" y="4443260"/>
+            <a:off x="1581829" y="4252286"/>
             <a:ext cx="1494832" cy="361955"/>
           </a:xfrm>
           <a:prstGeom prst="ellipse">
@@ -4868,7 +4868,7 @@
         </p:nvSpPr>
         <p:spPr>
           <a:xfrm>
-            <a:off x="1494636" y="4845896"/>
+            <a:off x="1415244" y="4729972"/>
             <a:ext cx="1979782" cy="361955"/>
           </a:xfrm>
           <a:prstGeom prst="ellipse">
@@ -4909,7 +4909,7 @@
         </p:nvSpPr>
         <p:spPr>
           <a:xfrm>
-            <a:off x="2466300" y="5304076"/>
+            <a:off x="2007360" y="5190578"/>
             <a:ext cx="1589198" cy="361955"/>
           </a:xfrm>
           <a:prstGeom prst="ellipse">
@@ -4951,7 +4951,7 @@
         </p:nvSpPr>
         <p:spPr>
           <a:xfrm>
-            <a:off x="2900859" y="5781763"/>
+            <a:off x="2190463" y="5651184"/>
             <a:ext cx="1690953" cy="361955"/>
           </a:xfrm>
           <a:prstGeom prst="ellipse">
@@ -4992,7 +4992,7 @@
         </p:nvSpPr>
         <p:spPr>
           <a:xfrm>
-            <a:off x="4856359" y="5781763"/>
+            <a:off x="3003976" y="6052543"/>
             <a:ext cx="1690953" cy="361955"/>
           </a:xfrm>
           <a:prstGeom prst="ellipse">
@@ -5033,7 +5033,7 @@
         </p:nvSpPr>
         <p:spPr>
           <a:xfrm>
-            <a:off x="6305062" y="5519999"/>
+            <a:off x="3793390" y="6413660"/>
             <a:ext cx="2033215" cy="361955"/>
           </a:xfrm>
           <a:prstGeom prst="ellipse">
@@ -5075,7 +5075,7 @@
         </p:nvSpPr>
         <p:spPr>
           <a:xfrm>
-            <a:off x="6465791" y="5117363"/>
+            <a:off x="5171330" y="6038258"/>
             <a:ext cx="1791830" cy="361955"/>
           </a:xfrm>
           <a:prstGeom prst="ellipse">
@@ -5116,7 +5116,7 @@
         </p:nvSpPr>
         <p:spPr>
           <a:xfrm>
-            <a:off x="6615495" y="4721421"/>
+            <a:off x="5662001" y="5535156"/>
             <a:ext cx="1690953" cy="361955"/>
           </a:xfrm>
           <a:prstGeom prst="ellipse">
@@ -5157,7 +5157,7 @@
         </p:nvSpPr>
         <p:spPr>
           <a:xfrm>
-            <a:off x="6983209" y="4318785"/>
+            <a:off x="5976794" y="5043736"/>
             <a:ext cx="931401" cy="361955"/>
           </a:xfrm>
           <a:prstGeom prst="ellipse">
@@ -5199,7 +5199,7 @@
         </p:nvSpPr>
         <p:spPr>
           <a:xfrm>
-            <a:off x="2725128" y="3791301"/>
+            <a:off x="2657580" y="3416303"/>
             <a:ext cx="2240572" cy="361955"/>
           </a:xfrm>
           <a:prstGeom prst="ellipse">
@@ -5240,7 +5240,7 @@
         </p:nvSpPr>
         <p:spPr>
           <a:xfrm>
-            <a:off x="6801550" y="3880918"/>
+            <a:off x="6489260" y="4668334"/>
             <a:ext cx="1188156" cy="361955"/>
           </a:xfrm>
           <a:prstGeom prst="ellipse">
@@ -5277,14 +5277,16 @@
         <p:nvCxnSpPr>
           <p:cNvPr id="90" name="직선 연결선 89"/>
           <p:cNvCxnSpPr>
+            <a:cxnSpLocks/>
+            <a:stCxn id="5" idx="1"/>
             <a:endCxn id="87" idx="5"/>
           </p:cNvCxnSpPr>
           <p:nvPr/>
         </p:nvCxnSpPr>
         <p:spPr>
           <a:xfrm flipH="1" flipV="1">
-            <a:off x="4637576" y="4100249"/>
-            <a:ext cx="227530" cy="141693"/>
+            <a:off x="4570028" y="3725251"/>
+            <a:ext cx="226437" cy="837478"/>
           </a:xfrm>
           <a:prstGeom prst="line">
             <a:avLst/>
@@ -5316,8 +5318,8 @@
         </p:nvCxnSpPr>
         <p:spPr>
           <a:xfrm flipH="1" flipV="1">
-            <a:off x="2965142" y="4252595"/>
-            <a:ext cx="1899966" cy="118812"/>
+            <a:off x="3166898" y="3996739"/>
+            <a:ext cx="1629567" cy="565990"/>
           </a:xfrm>
           <a:prstGeom prst="line">
             <a:avLst/>
@@ -5348,9 +5350,9 @@
           <p:nvPr/>
         </p:nvCxnSpPr>
         <p:spPr>
-          <a:xfrm flipH="1">
-            <a:off x="3287331" y="4371407"/>
-            <a:ext cx="1577777" cy="252831"/>
+          <a:xfrm flipH="1" flipV="1">
+            <a:off x="3076661" y="4433264"/>
+            <a:ext cx="1719804" cy="129465"/>
           </a:xfrm>
           <a:prstGeom prst="line">
             <a:avLst/>
@@ -5382,8 +5384,8 @@
         </p:nvCxnSpPr>
         <p:spPr>
           <a:xfrm flipH="1">
-            <a:off x="3474418" y="4371407"/>
-            <a:ext cx="1390690" cy="655467"/>
+            <a:off x="3395026" y="4562729"/>
+            <a:ext cx="1401439" cy="348221"/>
           </a:xfrm>
           <a:prstGeom prst="line">
             <a:avLst/>
@@ -5415,8 +5417,8 @@
         </p:nvCxnSpPr>
         <p:spPr>
           <a:xfrm flipH="1">
-            <a:off x="4055498" y="4371407"/>
-            <a:ext cx="809610" cy="1113647"/>
+            <a:off x="3596558" y="4562729"/>
+            <a:ext cx="1199907" cy="808827"/>
           </a:xfrm>
           <a:prstGeom prst="line">
             <a:avLst/>
@@ -5448,8 +5450,8 @@
         </p:nvCxnSpPr>
         <p:spPr>
           <a:xfrm flipH="1">
-            <a:off x="4344178" y="4500872"/>
-            <a:ext cx="1033396" cy="1333898"/>
+            <a:off x="3633782" y="4692194"/>
+            <a:ext cx="1675149" cy="1011997"/>
           </a:xfrm>
           <a:prstGeom prst="line">
             <a:avLst/>
@@ -5474,15 +5476,16 @@
         <p:nvCxnSpPr>
           <p:cNvPr id="102" name="직선 연결선 101"/>
           <p:cNvCxnSpPr>
+            <a:cxnSpLocks/>
             <a:stCxn id="5" idx="2"/>
-            <a:endCxn id="82" idx="1"/>
+            <a:endCxn id="82" idx="0"/>
           </p:cNvCxnSpPr>
           <p:nvPr/>
         </p:nvCxnSpPr>
         <p:spPr>
           <a:xfrm flipH="1">
-            <a:off x="5103993" y="4500872"/>
-            <a:ext cx="273581" cy="1333898"/>
+            <a:off x="3849453" y="4692194"/>
+            <a:ext cx="1459478" cy="1360349"/>
           </a:xfrm>
           <a:prstGeom prst="line">
             <a:avLst/>
@@ -5507,15 +5510,16 @@
         <p:nvCxnSpPr>
           <p:cNvPr id="105" name="직선 연결선 104"/>
           <p:cNvCxnSpPr>
+            <a:cxnSpLocks/>
             <a:stCxn id="5" idx="2"/>
-            <a:endCxn id="83" idx="2"/>
+            <a:endCxn id="83" idx="0"/>
           </p:cNvCxnSpPr>
           <p:nvPr/>
         </p:nvCxnSpPr>
         <p:spPr>
-          <a:xfrm>
-            <a:off x="5377574" y="4500872"/>
-            <a:ext cx="927488" cy="1200105"/>
+          <a:xfrm flipH="1">
+            <a:off x="4809998" y="4692194"/>
+            <a:ext cx="498933" cy="1721466"/>
           </a:xfrm>
           <a:prstGeom prst="line">
             <a:avLst/>
@@ -5546,9 +5550,9 @@
           <p:nvPr/>
         </p:nvCxnSpPr>
         <p:spPr>
-          <a:xfrm>
-            <a:off x="5377574" y="4500872"/>
-            <a:ext cx="1088217" cy="797469"/>
+          <a:xfrm flipH="1">
+            <a:off x="5171330" y="4692194"/>
+            <a:ext cx="137601" cy="1527042"/>
           </a:xfrm>
           <a:prstGeom prst="line">
             <a:avLst/>
@@ -5580,8 +5584,8 @@
         </p:nvCxnSpPr>
         <p:spPr>
           <a:xfrm>
-            <a:off x="5377574" y="4500872"/>
-            <a:ext cx="1237921" cy="401527"/>
+            <a:off x="5308931" y="4692194"/>
+            <a:ext cx="353070" cy="1023940"/>
           </a:xfrm>
           <a:prstGeom prst="line">
             <a:avLst/>
@@ -5612,9 +5616,9 @@
           <p:nvPr/>
         </p:nvCxnSpPr>
         <p:spPr>
-          <a:xfrm flipV="1">
-            <a:off x="5890040" y="4061896"/>
-            <a:ext cx="911510" cy="309511"/>
+          <a:xfrm>
+            <a:off x="5821397" y="4562729"/>
+            <a:ext cx="667863" cy="286583"/>
           </a:xfrm>
           <a:prstGeom prst="line">
             <a:avLst/>
@@ -5646,8 +5650,8 @@
         </p:nvCxnSpPr>
         <p:spPr>
           <a:xfrm>
-            <a:off x="5890040" y="4371407"/>
-            <a:ext cx="1093169" cy="128356"/>
+            <a:off x="5821397" y="4562729"/>
+            <a:ext cx="155397" cy="661985"/>
           </a:xfrm>
           <a:prstGeom prst="line">
             <a:avLst/>
@@ -5881,46 +5885,6 @@
           <a:xfrm flipV="1">
             <a:off x="9649207" y="3692798"/>
             <a:ext cx="85192" cy="2036803"/>
-          </a:xfrm>
-          <a:prstGeom prst="line">
-            <a:avLst/>
-          </a:prstGeom>
-        </p:spPr>
-        <p:style>
-          <a:lnRef idx="1">
-            <a:schemeClr val="dk1"/>
-          </a:lnRef>
-          <a:fillRef idx="0">
-            <a:schemeClr val="dk1"/>
-          </a:fillRef>
-          <a:effectRef idx="0">
-            <a:schemeClr val="dk1"/>
-          </a:effectRef>
-          <a:fontRef idx="minor">
-            <a:schemeClr val="tx1"/>
-          </a:fontRef>
-        </p:style>
-      </p:cxnSp>
-      <p:cxnSp>
-        <p:nvCxnSpPr>
-          <p:cNvPr id="99" name="직선 연결선 98">
-            <a:extLst>
-              <a:ext uri="{FF2B5EF4-FFF2-40B4-BE49-F238E27FC236}">
-                <a16:creationId xmlns:a16="http://schemas.microsoft.com/office/drawing/2014/main" id="{1A0E9C44-715D-4669-9C8E-07F8E49B5F65}"/>
-              </a:ext>
-            </a:extLst>
-          </p:cNvPr>
-          <p:cNvCxnSpPr>
-            <a:cxnSpLocks/>
-            <a:stCxn id="95" idx="0"/>
-            <a:endCxn id="89" idx="2"/>
-          </p:cNvCxnSpPr>
-          <p:nvPr/>
-        </p:nvCxnSpPr>
-        <p:spPr>
-          <a:xfrm flipV="1">
-            <a:off x="9734399" y="1733299"/>
-            <a:ext cx="241623" cy="1496529"/>
           </a:xfrm>
           <a:prstGeom prst="line">
             <a:avLst/>
@@ -6925,7 +6889,7 @@
         </p:nvSpPr>
         <p:spPr>
           <a:xfrm>
-            <a:off x="6716119" y="3458466"/>
+            <a:off x="8572819" y="2074761"/>
             <a:ext cx="1958221" cy="323663"/>
           </a:xfrm>
           <a:prstGeom prst="ellipse">
@@ -7223,15 +7187,15 @@
           </p:cNvPr>
           <p:cNvCxnSpPr>
             <a:cxnSpLocks/>
-            <a:stCxn id="129" idx="6"/>
-            <a:endCxn id="95" idx="1"/>
+            <a:stCxn id="129" idx="4"/>
+            <a:endCxn id="95" idx="0"/>
           </p:cNvCxnSpPr>
           <p:nvPr/>
         </p:nvCxnSpPr>
         <p:spPr>
-          <a:xfrm flipV="1">
-            <a:off x="8674340" y="3461313"/>
-            <a:ext cx="80948" cy="158985"/>
+          <a:xfrm>
+            <a:off x="9551930" y="2398424"/>
+            <a:ext cx="182469" cy="831404"/>
           </a:xfrm>
           <a:prstGeom prst="line">
             <a:avLst/>
@@ -7486,6 +7450,46 @@
           </a:fillRef>
           <a:effectRef idx="0">
             <a:schemeClr val="accent1"/>
+          </a:effectRef>
+          <a:fontRef idx="minor">
+            <a:schemeClr val="tx1"/>
+          </a:fontRef>
+        </p:style>
+      </p:cxnSp>
+      <p:cxnSp>
+        <p:nvCxnSpPr>
+          <p:cNvPr id="155" name="직선 연결선 154">
+            <a:extLst>
+              <a:ext uri="{FF2B5EF4-FFF2-40B4-BE49-F238E27FC236}">
+                <a16:creationId xmlns:a16="http://schemas.microsoft.com/office/drawing/2014/main" id="{88B58754-F4B7-4DEF-964F-E4F946F2DEFD}"/>
+              </a:ext>
+            </a:extLst>
+          </p:cNvPr>
+          <p:cNvCxnSpPr>
+            <a:cxnSpLocks/>
+            <a:stCxn id="5" idx="3"/>
+            <a:endCxn id="95" idx="1"/>
+          </p:cNvCxnSpPr>
+          <p:nvPr/>
+        </p:nvCxnSpPr>
+        <p:spPr>
+          <a:xfrm flipV="1">
+            <a:off x="5821397" y="3461313"/>
+            <a:ext cx="2933891" cy="1101416"/>
+          </a:xfrm>
+          <a:prstGeom prst="line">
+            <a:avLst/>
+          </a:prstGeom>
+        </p:spPr>
+        <p:style>
+          <a:lnRef idx="1">
+            <a:schemeClr val="dk1"/>
+          </a:lnRef>
+          <a:fillRef idx="0">
+            <a:schemeClr val="dk1"/>
+          </a:fillRef>
+          <a:effectRef idx="0">
+            <a:schemeClr val="dk1"/>
           </a:effectRef>
           <a:fontRef idx="minor">
             <a:schemeClr val="tx1"/>
